--- a/slides/day1/microbiome_workshop_stats.pptx
+++ b/slides/day1/microbiome_workshop_stats.pptx
@@ -5,7 +5,7 @@
     <p:sldMasterId id="2147483660" r:id="rId1"/>
   </p:sldMasterIdLst>
   <p:notesMasterIdLst>
-    <p:notesMasterId r:id="rId17"/>
+    <p:notesMasterId r:id="rId22"/>
   </p:notesMasterIdLst>
   <p:sldIdLst>
     <p:sldId id="259" r:id="rId2"/>
@@ -19,10 +19,15 @@
     <p:sldId id="271" r:id="rId10"/>
     <p:sldId id="273" r:id="rId11"/>
     <p:sldId id="272" r:id="rId12"/>
-    <p:sldId id="265" r:id="rId13"/>
-    <p:sldId id="263" r:id="rId14"/>
-    <p:sldId id="264" r:id="rId15"/>
-    <p:sldId id="274" r:id="rId16"/>
+    <p:sldId id="275" r:id="rId13"/>
+    <p:sldId id="276" r:id="rId14"/>
+    <p:sldId id="277" r:id="rId15"/>
+    <p:sldId id="278" r:id="rId16"/>
+    <p:sldId id="279" r:id="rId17"/>
+    <p:sldId id="265" r:id="rId18"/>
+    <p:sldId id="263" r:id="rId19"/>
+    <p:sldId id="264" r:id="rId20"/>
+    <p:sldId id="274" r:id="rId21"/>
   </p:sldIdLst>
   <p:sldSz cx="9144000" cy="5143500" type="screen16x9"/>
   <p:notesSz cx="6858000" cy="9144000"/>
@@ -2072,7 +2077,7 @@
           <a:p>
             <a:fld id="{FF2D84DC-3335-0F42-84D0-F1C2CBA815A3}" type="slidenum">
               <a:rPr lang="en-US" smtClean="0"/>
-              <a:t>12</a:t>
+              <a:t>17</a:t>
             </a:fld>
             <a:endParaRPr lang="en-US"/>
           </a:p>
@@ -4726,6 +4731,13 @@
             <a:pPr lvl="1"/>
             <a:r>
               <a:rPr lang="en-US" dirty="0"/>
+              <a:t>Inaccurate (even biased) OTU clustering / ASV denoising</a:t>
+            </a:r>
+          </a:p>
+          <a:p>
+            <a:pPr lvl="1"/>
+            <a:r>
+              <a:rPr lang="en-US" dirty="0"/>
               <a:t>Samples stored or prepped differently</a:t>
             </a:r>
           </a:p>
@@ -4746,10 +4758,9 @@
           <a:p>
             <a:pPr lvl="1"/>
             <a:r>
-              <a:rPr lang="en-US" i="1" dirty="0"/>
+              <a:rPr lang="en-US" dirty="0"/>
               <a:t>Different samples’ host sequences can be different</a:t>
             </a:r>
-            <a:endParaRPr lang="en-US" dirty="0"/>
           </a:p>
           <a:p>
             <a:pPr lvl="1"/>
@@ -4834,10 +4845,15 @@
             <p:ph idx="1"/>
           </p:nvPr>
         </p:nvSpPr>
-        <p:spPr/>
+        <p:spPr>
+          <a:xfrm>
+            <a:off x="1375576" y="1955346"/>
+            <a:ext cx="6130455" cy="2320699"/>
+          </a:xfrm>
+        </p:spPr>
         <p:txBody>
           <a:bodyPr>
-            <a:normAutofit fontScale="92500" lnSpcReduction="20000"/>
+            <a:normAutofit fontScale="85000" lnSpcReduction="10000"/>
           </a:bodyPr>
           <a:lstStyle/>
           <a:p>
@@ -4849,13 +4865,13 @@
           <a:p>
             <a:r>
               <a:rPr lang="en-US" dirty="0"/>
-              <a:t>Stats never give a definite answer</a:t>
-            </a:r>
-          </a:p>
-          <a:p>
-            <a:r>
-              <a:rPr lang="en-US" dirty="0"/>
-              <a:t>No need to be Nietzsche, just be honest in your discussion and results</a:t>
+              <a:t>Stats alone never give a definite answer</a:t>
+            </a:r>
+          </a:p>
+          <a:p>
+            <a:r>
+              <a:rPr lang="en-US" dirty="0"/>
+              <a:t>No need to be a nihilist, just be honest in your discussion and results</a:t>
             </a:r>
           </a:p>
         </p:txBody>
@@ -4895,6 +4911,522 @@
           <p:cNvPr id="2" name="Title 1">
             <a:extLst>
               <a:ext uri="{FF2B5EF4-FFF2-40B4-BE49-F238E27FC236}">
+                <a16:creationId xmlns:a16="http://schemas.microsoft.com/office/drawing/2014/main" id="{ECD09130-6DF1-7444-BF1A-14EB867FD5F1}"/>
+              </a:ext>
+            </a:extLst>
+          </p:cNvPr>
+          <p:cNvSpPr>
+            <a:spLocks noGrp="1"/>
+          </p:cNvSpPr>
+          <p:nvPr>
+            <p:ph type="title"/>
+          </p:nvPr>
+        </p:nvSpPr>
+        <p:spPr/>
+        <p:txBody>
+          <a:bodyPr>
+            <a:normAutofit fontScale="90000"/>
+          </a:bodyPr>
+          <a:lstStyle/>
+          <a:p>
+            <a:r>
+              <a:rPr lang="en-US" dirty="0"/>
+              <a:t>Pattern vs. Process Example: Where’s the host</a:t>
+            </a:r>
+          </a:p>
+        </p:txBody>
+      </p:sp>
+      <p:pic>
+        <p:nvPicPr>
+          <p:cNvPr id="4" name="Content Placeholder 3">
+            <a:extLst>
+              <a:ext uri="{FF2B5EF4-FFF2-40B4-BE49-F238E27FC236}">
+                <a16:creationId xmlns:a16="http://schemas.microsoft.com/office/drawing/2014/main" id="{9E78B586-83FA-E04F-AB05-B67BD0F217D4}"/>
+              </a:ext>
+            </a:extLst>
+          </p:cNvPr>
+          <p:cNvPicPr>
+            <a:picLocks noGrp="1" noChangeAspect="1"/>
+          </p:cNvPicPr>
+          <p:nvPr>
+            <p:ph idx="1"/>
+          </p:nvPr>
+        </p:nvPicPr>
+        <p:blipFill>
+          <a:blip r:embed="rId2"/>
+          <a:stretch>
+            <a:fillRect/>
+          </a:stretch>
+        </p:blipFill>
+        <p:spPr>
+          <a:xfrm>
+            <a:off x="1593850" y="2408359"/>
+            <a:ext cx="5795963" cy="1415807"/>
+          </a:xfrm>
+          <a:prstGeom prst="rect">
+            <a:avLst/>
+          </a:prstGeom>
+        </p:spPr>
+      </p:pic>
+    </p:spTree>
+    <p:extLst>
+      <p:ext uri="{BB962C8B-B14F-4D97-AF65-F5344CB8AC3E}">
+        <p14:creationId xmlns:p14="http://schemas.microsoft.com/office/powerpoint/2010/main" val="2699616279"/>
+      </p:ext>
+    </p:extLst>
+  </p:cSld>
+  <p:clrMapOvr>
+    <a:masterClrMapping/>
+  </p:clrMapOvr>
+</p:sld>
+</file>
+
+<file path=ppt/slides/slide13.xml><?xml version="1.0" encoding="utf-8"?>
+<p:sld xmlns:a="http://schemas.openxmlformats.org/drawingml/2006/main" xmlns:r="http://schemas.openxmlformats.org/officeDocument/2006/relationships" xmlns:p="http://schemas.openxmlformats.org/presentationml/2006/main">
+  <p:cSld>
+    <p:spTree>
+      <p:nvGrpSpPr>
+        <p:cNvPr id="1" name=""/>
+        <p:cNvGrpSpPr/>
+        <p:nvPr/>
+      </p:nvGrpSpPr>
+      <p:grpSpPr>
+        <a:xfrm>
+          <a:off x="0" y="0"/>
+          <a:ext cx="0" cy="0"/>
+          <a:chOff x="0" y="0"/>
+          <a:chExt cx="0" cy="0"/>
+        </a:xfrm>
+      </p:grpSpPr>
+      <p:sp>
+        <p:nvSpPr>
+          <p:cNvPr id="2" name="Title 1">
+            <a:extLst>
+              <a:ext uri="{FF2B5EF4-FFF2-40B4-BE49-F238E27FC236}">
+                <a16:creationId xmlns:a16="http://schemas.microsoft.com/office/drawing/2014/main" id="{23617ECE-C073-A749-BD6E-B3F2A683546D}"/>
+              </a:ext>
+            </a:extLst>
+          </p:cNvPr>
+          <p:cNvSpPr>
+            <a:spLocks noGrp="1"/>
+          </p:cNvSpPr>
+          <p:nvPr>
+            <p:ph type="title"/>
+          </p:nvPr>
+        </p:nvSpPr>
+        <p:spPr/>
+        <p:txBody>
+          <a:bodyPr/>
+          <a:lstStyle/>
+          <a:p>
+            <a:r>
+              <a:rPr lang="en-US" dirty="0"/>
+              <a:t>Where’s the host</a:t>
+            </a:r>
+          </a:p>
+        </p:txBody>
+      </p:sp>
+      <p:sp>
+        <p:nvSpPr>
+          <p:cNvPr id="3" name="Content Placeholder 2">
+            <a:extLst>
+              <a:ext uri="{FF2B5EF4-FFF2-40B4-BE49-F238E27FC236}">
+                <a16:creationId xmlns:a16="http://schemas.microsoft.com/office/drawing/2014/main" id="{6742349B-4E6A-6742-AC50-F976A42ED9DC}"/>
+              </a:ext>
+            </a:extLst>
+          </p:cNvPr>
+          <p:cNvSpPr>
+            <a:spLocks noGrp="1"/>
+          </p:cNvSpPr>
+          <p:nvPr>
+            <p:ph idx="1"/>
+          </p:nvPr>
+        </p:nvSpPr>
+        <p:spPr/>
+        <p:txBody>
+          <a:bodyPr>
+            <a:normAutofit fontScale="77500" lnSpcReduction="20000"/>
+          </a:bodyPr>
+          <a:lstStyle/>
+          <a:p>
+            <a:r>
+              <a:rPr lang="en-US" dirty="0"/>
+              <a:t>A ‘standard’ pipeline might wind up comparing communities of bacteria in corals from two different reefs, using </a:t>
+            </a:r>
+            <a:r>
+              <a:rPr lang="en-US" dirty="0" err="1"/>
+              <a:t>Permanova</a:t>
+            </a:r>
+            <a:endParaRPr lang="en-US" dirty="0"/>
+          </a:p>
+          <a:p>
+            <a:r>
+              <a:rPr lang="en-US" dirty="0"/>
+              <a:t>There’s a significant difference! Write that paper showing how coral microbiomes are geographically variable</a:t>
+            </a:r>
+          </a:p>
+        </p:txBody>
+      </p:sp>
+    </p:spTree>
+    <p:extLst>
+      <p:ext uri="{BB962C8B-B14F-4D97-AF65-F5344CB8AC3E}">
+        <p14:creationId xmlns:p14="http://schemas.microsoft.com/office/powerpoint/2010/main" val="4020798699"/>
+      </p:ext>
+    </p:extLst>
+  </p:cSld>
+  <p:clrMapOvr>
+    <a:masterClrMapping/>
+  </p:clrMapOvr>
+</p:sld>
+</file>
+
+<file path=ppt/slides/slide14.xml><?xml version="1.0" encoding="utf-8"?>
+<p:sld xmlns:a="http://schemas.openxmlformats.org/drawingml/2006/main" xmlns:r="http://schemas.openxmlformats.org/officeDocument/2006/relationships" xmlns:p="http://schemas.openxmlformats.org/presentationml/2006/main">
+  <p:cSld>
+    <p:spTree>
+      <p:nvGrpSpPr>
+        <p:cNvPr id="1" name=""/>
+        <p:cNvGrpSpPr/>
+        <p:nvPr/>
+      </p:nvGrpSpPr>
+      <p:grpSpPr>
+        <a:xfrm>
+          <a:off x="0" y="0"/>
+          <a:ext cx="0" cy="0"/>
+          <a:chOff x="0" y="0"/>
+          <a:chExt cx="0" cy="0"/>
+        </a:xfrm>
+      </p:grpSpPr>
+      <p:sp>
+        <p:nvSpPr>
+          <p:cNvPr id="2" name="Title 1">
+            <a:extLst>
+              <a:ext uri="{FF2B5EF4-FFF2-40B4-BE49-F238E27FC236}">
+                <a16:creationId xmlns:a16="http://schemas.microsoft.com/office/drawing/2014/main" id="{E9A5D791-3BD4-2F45-82B6-68252A99624F}"/>
+              </a:ext>
+            </a:extLst>
+          </p:cNvPr>
+          <p:cNvSpPr>
+            <a:spLocks noGrp="1"/>
+          </p:cNvSpPr>
+          <p:nvPr>
+            <p:ph type="title"/>
+          </p:nvPr>
+        </p:nvSpPr>
+        <p:spPr/>
+        <p:txBody>
+          <a:bodyPr/>
+          <a:lstStyle/>
+          <a:p>
+            <a:r>
+              <a:rPr lang="en-US" dirty="0"/>
+              <a:t>Where’s the host</a:t>
+            </a:r>
+          </a:p>
+        </p:txBody>
+      </p:sp>
+      <p:sp>
+        <p:nvSpPr>
+          <p:cNvPr id="3" name="Content Placeholder 2">
+            <a:extLst>
+              <a:ext uri="{FF2B5EF4-FFF2-40B4-BE49-F238E27FC236}">
+                <a16:creationId xmlns:a16="http://schemas.microsoft.com/office/drawing/2014/main" id="{E197CC28-8EB5-5540-B16F-14D051CDF63A}"/>
+              </a:ext>
+            </a:extLst>
+          </p:cNvPr>
+          <p:cNvSpPr>
+            <a:spLocks noGrp="1"/>
+          </p:cNvSpPr>
+          <p:nvPr>
+            <p:ph idx="1"/>
+          </p:nvPr>
+        </p:nvSpPr>
+        <p:spPr/>
+        <p:txBody>
+          <a:bodyPr>
+            <a:normAutofit fontScale="55000" lnSpcReduction="20000"/>
+          </a:bodyPr>
+          <a:lstStyle/>
+          <a:p>
+            <a:r>
+              <a:rPr lang="en-US" dirty="0"/>
+              <a:t>Unfortunately, our interpretation is at odds with a violated assumption</a:t>
+            </a:r>
+          </a:p>
+          <a:p>
+            <a:r>
+              <a:rPr lang="en-US" dirty="0"/>
+              <a:t>We assumed that our ‘16S’ dataset only included bacterial sequences. But for some reason, the 12S gene of coral hosts is also amplified by our primers!</a:t>
+            </a:r>
+          </a:p>
+          <a:p>
+            <a:r>
+              <a:rPr lang="en-US" dirty="0"/>
+              <a:t>In fact, the </a:t>
+            </a:r>
+            <a:r>
+              <a:rPr lang="en-US" dirty="0" err="1"/>
+              <a:t>permanova</a:t>
+            </a:r>
+            <a:r>
+              <a:rPr lang="en-US" dirty="0"/>
+              <a:t> results completely disappear when these 12S ASVs are removed. There was a host genetic difference between the sites, not a difference in microbiomes!</a:t>
+            </a:r>
+          </a:p>
+        </p:txBody>
+      </p:sp>
+    </p:spTree>
+    <p:extLst>
+      <p:ext uri="{BB962C8B-B14F-4D97-AF65-F5344CB8AC3E}">
+        <p14:creationId xmlns:p14="http://schemas.microsoft.com/office/powerpoint/2010/main" val="1272566466"/>
+      </p:ext>
+    </p:extLst>
+  </p:cSld>
+  <p:clrMapOvr>
+    <a:masterClrMapping/>
+  </p:clrMapOvr>
+</p:sld>
+</file>
+
+<file path=ppt/slides/slide15.xml><?xml version="1.0" encoding="utf-8"?>
+<p:sld xmlns:a="http://schemas.openxmlformats.org/drawingml/2006/main" xmlns:r="http://schemas.openxmlformats.org/officeDocument/2006/relationships" xmlns:p="http://schemas.openxmlformats.org/presentationml/2006/main">
+  <p:cSld>
+    <p:spTree>
+      <p:nvGrpSpPr>
+        <p:cNvPr id="1" name=""/>
+        <p:cNvGrpSpPr/>
+        <p:nvPr/>
+      </p:nvGrpSpPr>
+      <p:grpSpPr>
+        <a:xfrm>
+          <a:off x="0" y="0"/>
+          <a:ext cx="0" cy="0"/>
+          <a:chOff x="0" y="0"/>
+          <a:chExt cx="0" cy="0"/>
+        </a:xfrm>
+      </p:grpSpPr>
+      <p:sp>
+        <p:nvSpPr>
+          <p:cNvPr id="2" name="Title 1">
+            <a:extLst>
+              <a:ext uri="{FF2B5EF4-FFF2-40B4-BE49-F238E27FC236}">
+                <a16:creationId xmlns:a16="http://schemas.microsoft.com/office/drawing/2014/main" id="{519D83F1-FE41-6C45-B638-5BE791BF8891}"/>
+              </a:ext>
+            </a:extLst>
+          </p:cNvPr>
+          <p:cNvSpPr>
+            <a:spLocks noGrp="1"/>
+          </p:cNvSpPr>
+          <p:nvPr>
+            <p:ph type="title"/>
+          </p:nvPr>
+        </p:nvSpPr>
+        <p:spPr>
+          <a:xfrm>
+            <a:off x="1567206" y="561441"/>
+            <a:ext cx="5795192" cy="857250"/>
+          </a:xfrm>
+        </p:spPr>
+        <p:txBody>
+          <a:bodyPr/>
+          <a:lstStyle/>
+          <a:p>
+            <a:r>
+              <a:rPr lang="en-US" dirty="0"/>
+              <a:t>Where’s the host</a:t>
+            </a:r>
+          </a:p>
+        </p:txBody>
+      </p:sp>
+      <p:sp>
+        <p:nvSpPr>
+          <p:cNvPr id="3" name="Content Placeholder 2">
+            <a:extLst>
+              <a:ext uri="{FF2B5EF4-FFF2-40B4-BE49-F238E27FC236}">
+                <a16:creationId xmlns:a16="http://schemas.microsoft.com/office/drawing/2014/main" id="{E017A121-9AB3-7D45-B31A-257DADEAB170}"/>
+              </a:ext>
+            </a:extLst>
+          </p:cNvPr>
+          <p:cNvSpPr>
+            <a:spLocks noGrp="1"/>
+          </p:cNvSpPr>
+          <p:nvPr>
+            <p:ph idx="1"/>
+          </p:nvPr>
+        </p:nvSpPr>
+        <p:spPr>
+          <a:xfrm>
+            <a:off x="976544" y="1589104"/>
+            <a:ext cx="7412853" cy="2648941"/>
+          </a:xfrm>
+        </p:spPr>
+        <p:txBody>
+          <a:bodyPr>
+            <a:normAutofit fontScale="62500" lnSpcReduction="20000"/>
+          </a:bodyPr>
+          <a:lstStyle/>
+          <a:p>
+            <a:r>
+              <a:rPr lang="en-US" dirty="0"/>
+              <a:t>Host contamination doesn’t seem to be as much of a problem for human studies, but the lesson stands: our interpretation of statistical results is drastically affected by our (often very misplaced) assumptions about our data</a:t>
+            </a:r>
+          </a:p>
+          <a:p>
+            <a:r>
+              <a:rPr lang="en-US" dirty="0"/>
+              <a:t>In this case, a ‘multivariate test’, often interpreted as meaning something about the microbiome ‘as a whole’, is driven almost entirely by a </a:t>
+            </a:r>
+            <a:r>
+              <a:rPr lang="en-US" b="1" i="1" dirty="0"/>
+              <a:t>small number of variables</a:t>
+            </a:r>
+            <a:r>
+              <a:rPr lang="en-US" dirty="0"/>
+              <a:t>. The multivariate test in this case </a:t>
+            </a:r>
+            <a:r>
+              <a:rPr lang="en-US" i="1" dirty="0"/>
+              <a:t>shouldn’t</a:t>
+            </a:r>
+            <a:r>
+              <a:rPr lang="en-US" dirty="0"/>
+              <a:t> influence our conclusions beyond those drawn with differential abundance analysis. And yet...</a:t>
+            </a:r>
+          </a:p>
+        </p:txBody>
+      </p:sp>
+    </p:spTree>
+    <p:extLst>
+      <p:ext uri="{BB962C8B-B14F-4D97-AF65-F5344CB8AC3E}">
+        <p14:creationId xmlns:p14="http://schemas.microsoft.com/office/powerpoint/2010/main" val="1817473783"/>
+      </p:ext>
+    </p:extLst>
+  </p:cSld>
+  <p:clrMapOvr>
+    <a:masterClrMapping/>
+  </p:clrMapOvr>
+</p:sld>
+</file>
+
+<file path=ppt/slides/slide16.xml><?xml version="1.0" encoding="utf-8"?>
+<p:sld xmlns:a="http://schemas.openxmlformats.org/drawingml/2006/main" xmlns:r="http://schemas.openxmlformats.org/officeDocument/2006/relationships" xmlns:p="http://schemas.openxmlformats.org/presentationml/2006/main">
+  <p:cSld>
+    <p:spTree>
+      <p:nvGrpSpPr>
+        <p:cNvPr id="1" name=""/>
+        <p:cNvGrpSpPr/>
+        <p:nvPr/>
+      </p:nvGrpSpPr>
+      <p:grpSpPr>
+        <a:xfrm>
+          <a:off x="0" y="0"/>
+          <a:ext cx="0" cy="0"/>
+          <a:chOff x="0" y="0"/>
+          <a:chExt cx="0" cy="0"/>
+        </a:xfrm>
+      </p:grpSpPr>
+      <p:sp>
+        <p:nvSpPr>
+          <p:cNvPr id="2" name="Title 1">
+            <a:extLst>
+              <a:ext uri="{FF2B5EF4-FFF2-40B4-BE49-F238E27FC236}">
+                <a16:creationId xmlns:a16="http://schemas.microsoft.com/office/drawing/2014/main" id="{96824FEB-2CB5-E049-821F-EF3BC7E93173}"/>
+              </a:ext>
+            </a:extLst>
+          </p:cNvPr>
+          <p:cNvSpPr>
+            <a:spLocks noGrp="1"/>
+          </p:cNvSpPr>
+          <p:nvPr>
+            <p:ph type="title"/>
+          </p:nvPr>
+        </p:nvSpPr>
+        <p:spPr/>
+        <p:txBody>
+          <a:bodyPr/>
+          <a:lstStyle/>
+          <a:p>
+            <a:r>
+              <a:rPr lang="en-US" dirty="0"/>
+              <a:t>Where’s the host</a:t>
+            </a:r>
+          </a:p>
+        </p:txBody>
+      </p:sp>
+      <p:sp>
+        <p:nvSpPr>
+          <p:cNvPr id="3" name="Content Placeholder 2">
+            <a:extLst>
+              <a:ext uri="{FF2B5EF4-FFF2-40B4-BE49-F238E27FC236}">
+                <a16:creationId xmlns:a16="http://schemas.microsoft.com/office/drawing/2014/main" id="{F889D380-458E-F544-9E5A-A3D260503D51}"/>
+              </a:ext>
+            </a:extLst>
+          </p:cNvPr>
+          <p:cNvSpPr>
+            <a:spLocks noGrp="1"/>
+          </p:cNvSpPr>
+          <p:nvPr>
+            <p:ph idx="1"/>
+          </p:nvPr>
+        </p:nvSpPr>
+        <p:spPr/>
+        <p:txBody>
+          <a:bodyPr>
+            <a:normAutofit fontScale="55000" lnSpcReduction="20000"/>
+          </a:bodyPr>
+          <a:lstStyle/>
+          <a:p>
+            <a:r>
+              <a:rPr lang="en-US" dirty="0"/>
+              <a:t>Different ‘16S’ primers have different biases. Some might catch fungal 12S, some might be biased against Archaea, almost all miss a huge diversity of bacteria in the ‘Candidate Phylum Radiation’ (CPR). </a:t>
+            </a:r>
+          </a:p>
+          <a:p>
+            <a:r>
+              <a:rPr lang="en-US" dirty="0"/>
+              <a:t>Think about your conclusions with this in mind! Any single statistical analysis in this field is highly suspect until the interpretations can be supported by very different methodologies. Weird artifacts can be common.</a:t>
+            </a:r>
+          </a:p>
+          <a:p>
+            <a:endParaRPr lang="en-US" dirty="0"/>
+          </a:p>
+        </p:txBody>
+      </p:sp>
+    </p:spTree>
+    <p:extLst>
+      <p:ext uri="{BB962C8B-B14F-4D97-AF65-F5344CB8AC3E}">
+        <p14:creationId xmlns:p14="http://schemas.microsoft.com/office/powerpoint/2010/main" val="2272259336"/>
+      </p:ext>
+    </p:extLst>
+  </p:cSld>
+  <p:clrMapOvr>
+    <a:masterClrMapping/>
+  </p:clrMapOvr>
+</p:sld>
+</file>
+
+<file path=ppt/slides/slide17.xml><?xml version="1.0" encoding="utf-8"?>
+<p:sld xmlns:a="http://schemas.openxmlformats.org/drawingml/2006/main" xmlns:r="http://schemas.openxmlformats.org/officeDocument/2006/relationships" xmlns:p="http://schemas.openxmlformats.org/presentationml/2006/main">
+  <p:cSld>
+    <p:spTree>
+      <p:nvGrpSpPr>
+        <p:cNvPr id="1" name=""/>
+        <p:cNvGrpSpPr/>
+        <p:nvPr/>
+      </p:nvGrpSpPr>
+      <p:grpSpPr>
+        <a:xfrm>
+          <a:off x="0" y="0"/>
+          <a:ext cx="0" cy="0"/>
+          <a:chOff x="0" y="0"/>
+          <a:chExt cx="0" cy="0"/>
+        </a:xfrm>
+      </p:grpSpPr>
+      <p:sp>
+        <p:nvSpPr>
+          <p:cNvPr id="2" name="Title 1">
+            <a:extLst>
+              <a:ext uri="{FF2B5EF4-FFF2-40B4-BE49-F238E27FC236}">
                 <a16:creationId xmlns:a16="http://schemas.microsoft.com/office/drawing/2014/main" id="{6F530E34-B064-E34C-BFDD-C76653670FE7}"/>
               </a:ext>
             </a:extLst>
@@ -4965,7 +5497,7 @@
 </p:sld>
 </file>
 
-<file path=ppt/slides/slide13.xml><?xml version="1.0" encoding="utf-8"?>
+<file path=ppt/slides/slide18.xml><?xml version="1.0" encoding="utf-8"?>
 <p:sld xmlns:a="http://schemas.openxmlformats.org/drawingml/2006/main" xmlns:r="http://schemas.openxmlformats.org/officeDocument/2006/relationships" xmlns:p="http://schemas.openxmlformats.org/presentationml/2006/main">
   <p:cSld>
     <p:spTree>
@@ -5086,7 +5618,7 @@
 </p:sld>
 </file>
 
-<file path=ppt/slides/slide14.xml><?xml version="1.0" encoding="utf-8"?>
+<file path=ppt/slides/slide19.xml><?xml version="1.0" encoding="utf-8"?>
 <p:sld xmlns:a="http://schemas.openxmlformats.org/drawingml/2006/main" xmlns:r="http://schemas.openxmlformats.org/officeDocument/2006/relationships" xmlns:p="http://schemas.openxmlformats.org/presentationml/2006/main">
   <p:cSld>
     <p:spTree>
@@ -5375,116 +5907,6 @@
     <p:extLst>
       <p:ext uri="{BB962C8B-B14F-4D97-AF65-F5344CB8AC3E}">
         <p14:creationId xmlns:p14="http://schemas.microsoft.com/office/powerpoint/2010/main" val="2567645522"/>
-      </p:ext>
-    </p:extLst>
-  </p:cSld>
-  <p:clrMapOvr>
-    <a:masterClrMapping/>
-  </p:clrMapOvr>
-</p:sld>
-</file>
-
-<file path=ppt/slides/slide15.xml><?xml version="1.0" encoding="utf-8"?>
-<p:sld xmlns:a="http://schemas.openxmlformats.org/drawingml/2006/main" xmlns:r="http://schemas.openxmlformats.org/officeDocument/2006/relationships" xmlns:p="http://schemas.openxmlformats.org/presentationml/2006/main">
-  <p:cSld>
-    <p:spTree>
-      <p:nvGrpSpPr>
-        <p:cNvPr id="1" name=""/>
-        <p:cNvGrpSpPr/>
-        <p:nvPr/>
-      </p:nvGrpSpPr>
-      <p:grpSpPr>
-        <a:xfrm>
-          <a:off x="0" y="0"/>
-          <a:ext cx="0" cy="0"/>
-          <a:chOff x="0" y="0"/>
-          <a:chExt cx="0" cy="0"/>
-        </a:xfrm>
-      </p:grpSpPr>
-      <p:sp>
-        <p:nvSpPr>
-          <p:cNvPr id="2" name="Title 1">
-            <a:extLst>
-              <a:ext uri="{FF2B5EF4-FFF2-40B4-BE49-F238E27FC236}">
-                <a16:creationId xmlns:a16="http://schemas.microsoft.com/office/drawing/2014/main" id="{7853F7E8-DF6D-D843-891D-826E8955CC8F}"/>
-              </a:ext>
-            </a:extLst>
-          </p:cNvPr>
-          <p:cNvSpPr>
-            <a:spLocks noGrp="1"/>
-          </p:cNvSpPr>
-          <p:nvPr>
-            <p:ph type="title"/>
-          </p:nvPr>
-        </p:nvSpPr>
-        <p:spPr/>
-        <p:txBody>
-          <a:bodyPr>
-            <a:normAutofit fontScale="90000"/>
-          </a:bodyPr>
-          <a:lstStyle/>
-          <a:p>
-            <a:r>
-              <a:rPr lang="en-US" dirty="0"/>
-              <a:t>Talk to me about custom Bayesian statistical models</a:t>
-            </a:r>
-          </a:p>
-        </p:txBody>
-      </p:sp>
-      <p:sp>
-        <p:nvSpPr>
-          <p:cNvPr id="3" name="Content Placeholder 2">
-            <a:extLst>
-              <a:ext uri="{FF2B5EF4-FFF2-40B4-BE49-F238E27FC236}">
-                <a16:creationId xmlns:a16="http://schemas.microsoft.com/office/drawing/2014/main" id="{5DA0A122-DF2E-A84B-A2E2-8B192C810B84}"/>
-              </a:ext>
-            </a:extLst>
-          </p:cNvPr>
-          <p:cNvSpPr>
-            <a:spLocks noGrp="1"/>
-          </p:cNvSpPr>
-          <p:nvPr>
-            <p:ph idx="1"/>
-          </p:nvPr>
-        </p:nvSpPr>
-        <p:spPr>
-          <a:xfrm>
-            <a:off x="1474568" y="2408570"/>
-            <a:ext cx="6341563" cy="2320699"/>
-          </a:xfrm>
-        </p:spPr>
-        <p:txBody>
-          <a:bodyPr/>
-          <a:lstStyle/>
-          <a:p>
-            <a:r>
-              <a:rPr lang="en-US" dirty="0"/>
-              <a:t>555-know-your-assumptions.com</a:t>
-            </a:r>
-          </a:p>
-          <a:p>
-            <a:endParaRPr lang="en-US" dirty="0"/>
-          </a:p>
-          <a:p>
-            <a:r>
-              <a:rPr lang="en-US" dirty="0"/>
-              <a:t>(that’s fake but I am starting up a blog at </a:t>
-            </a:r>
-            <a:r>
-              <a:rPr lang="en-US" dirty="0" err="1"/>
-              <a:t>merdemicrobes.com</a:t>
-            </a:r>
-            <a:r>
-              <a:rPr lang="en-US" dirty="0"/>
-              <a:t>)</a:t>
-            </a:r>
-          </a:p>
-        </p:txBody>
-      </p:sp>
-    </p:spTree>
-    <p:extLst>
-      <p:ext uri="{BB962C8B-B14F-4D97-AF65-F5344CB8AC3E}">
-        <p14:creationId xmlns:p14="http://schemas.microsoft.com/office/powerpoint/2010/main" val="897881095"/>
       </p:ext>
     </p:extLst>
   </p:cSld>
@@ -5598,6 +6020,116 @@
     <p:extLst>
       <p:ext uri="{BB962C8B-B14F-4D97-AF65-F5344CB8AC3E}">
         <p14:creationId xmlns:p14="http://schemas.microsoft.com/office/powerpoint/2010/main" val="2855943675"/>
+      </p:ext>
+    </p:extLst>
+  </p:cSld>
+  <p:clrMapOvr>
+    <a:masterClrMapping/>
+  </p:clrMapOvr>
+</p:sld>
+</file>
+
+<file path=ppt/slides/slide20.xml><?xml version="1.0" encoding="utf-8"?>
+<p:sld xmlns:a="http://schemas.openxmlformats.org/drawingml/2006/main" xmlns:r="http://schemas.openxmlformats.org/officeDocument/2006/relationships" xmlns:p="http://schemas.openxmlformats.org/presentationml/2006/main">
+  <p:cSld>
+    <p:spTree>
+      <p:nvGrpSpPr>
+        <p:cNvPr id="1" name=""/>
+        <p:cNvGrpSpPr/>
+        <p:nvPr/>
+      </p:nvGrpSpPr>
+      <p:grpSpPr>
+        <a:xfrm>
+          <a:off x="0" y="0"/>
+          <a:ext cx="0" cy="0"/>
+          <a:chOff x="0" y="0"/>
+          <a:chExt cx="0" cy="0"/>
+        </a:xfrm>
+      </p:grpSpPr>
+      <p:sp>
+        <p:nvSpPr>
+          <p:cNvPr id="2" name="Title 1">
+            <a:extLst>
+              <a:ext uri="{FF2B5EF4-FFF2-40B4-BE49-F238E27FC236}">
+                <a16:creationId xmlns:a16="http://schemas.microsoft.com/office/drawing/2014/main" id="{7853F7E8-DF6D-D843-891D-826E8955CC8F}"/>
+              </a:ext>
+            </a:extLst>
+          </p:cNvPr>
+          <p:cNvSpPr>
+            <a:spLocks noGrp="1"/>
+          </p:cNvSpPr>
+          <p:nvPr>
+            <p:ph type="title"/>
+          </p:nvPr>
+        </p:nvSpPr>
+        <p:spPr/>
+        <p:txBody>
+          <a:bodyPr>
+            <a:normAutofit fontScale="90000"/>
+          </a:bodyPr>
+          <a:lstStyle/>
+          <a:p>
+            <a:r>
+              <a:rPr lang="en-US" dirty="0"/>
+              <a:t>Talk to me about custom Bayesian statistical models</a:t>
+            </a:r>
+          </a:p>
+        </p:txBody>
+      </p:sp>
+      <p:sp>
+        <p:nvSpPr>
+          <p:cNvPr id="3" name="Content Placeholder 2">
+            <a:extLst>
+              <a:ext uri="{FF2B5EF4-FFF2-40B4-BE49-F238E27FC236}">
+                <a16:creationId xmlns:a16="http://schemas.microsoft.com/office/drawing/2014/main" id="{5DA0A122-DF2E-A84B-A2E2-8B192C810B84}"/>
+              </a:ext>
+            </a:extLst>
+          </p:cNvPr>
+          <p:cNvSpPr>
+            <a:spLocks noGrp="1"/>
+          </p:cNvSpPr>
+          <p:nvPr>
+            <p:ph idx="1"/>
+          </p:nvPr>
+        </p:nvSpPr>
+        <p:spPr>
+          <a:xfrm>
+            <a:off x="1474568" y="2408570"/>
+            <a:ext cx="6341563" cy="2320699"/>
+          </a:xfrm>
+        </p:spPr>
+        <p:txBody>
+          <a:bodyPr/>
+          <a:lstStyle/>
+          <a:p>
+            <a:r>
+              <a:rPr lang="en-US" dirty="0"/>
+              <a:t>555-know-your-assumptions.com</a:t>
+            </a:r>
+          </a:p>
+          <a:p>
+            <a:endParaRPr lang="en-US" dirty="0"/>
+          </a:p>
+          <a:p>
+            <a:r>
+              <a:rPr lang="en-US" dirty="0"/>
+              <a:t>(that’s fake but I am starting up a blog at </a:t>
+            </a:r>
+            <a:r>
+              <a:rPr lang="en-US" dirty="0" err="1"/>
+              <a:t>merdemicrobes.com</a:t>
+            </a:r>
+            <a:r>
+              <a:rPr lang="en-US" dirty="0"/>
+              <a:t>)</a:t>
+            </a:r>
+          </a:p>
+        </p:txBody>
+      </p:sp>
+    </p:spTree>
+    <p:extLst>
+      <p:ext uri="{BB962C8B-B14F-4D97-AF65-F5344CB8AC3E}">
+        <p14:creationId xmlns:p14="http://schemas.microsoft.com/office/powerpoint/2010/main" val="897881095"/>
       </p:ext>
     </p:extLst>
   </p:cSld>
